--- a/picture/ppt/cands/cpu-catch-memory.pptx
+++ b/picture/ppt/cands/cpu-catch-memory.pptx
@@ -5,13 +5,15 @@
     <p:sldMasterId id="2147483648" r:id="rId1"/>
   </p:sldMasterIdLst>
   <p:notesMasterIdLst>
-    <p:notesMasterId r:id="rId4"/>
+    <p:notesMasterId r:id="rId6"/>
   </p:notesMasterIdLst>
   <p:handoutMasterIdLst>
-    <p:handoutMasterId r:id="rId5"/>
+    <p:handoutMasterId r:id="rId7"/>
   </p:handoutMasterIdLst>
   <p:sldIdLst>
     <p:sldId id="257" r:id="rId3"/>
+    <p:sldId id="258" r:id="rId4"/>
+    <p:sldId id="259" r:id="rId5"/>
   </p:sldIdLst>
   <p:sldSz cx="9903460" cy="6858000" type="A4"/>
   <p:notesSz cx="7103745" cy="10234295"/>
@@ -139,7 +141,7 @@
         <p:nvSpPr>
           <p:cNvPr id="2" name="页眉占位符 1"/>
           <p:cNvSpPr>
-            <a:spLocks noGrp="1"/>
+            <a:spLocks noGrp="true"/>
           </p:cNvSpPr>
           <p:nvPr>
             <p:ph type="hdr" sz="quarter"/>
@@ -170,7 +172,7 @@
         <p:nvSpPr>
           <p:cNvPr id="3" name="日期占位符 2"/>
           <p:cNvSpPr>
-            <a:spLocks noGrp="1"/>
+            <a:spLocks noGrp="true"/>
           </p:cNvSpPr>
           <p:nvPr>
             <p:ph type="dt" sz="quarter" idx="1"/>
@@ -204,7 +206,7 @@
         <p:nvSpPr>
           <p:cNvPr id="4" name="页脚占位符 3"/>
           <p:cNvSpPr>
-            <a:spLocks noGrp="1"/>
+            <a:spLocks noGrp="true"/>
           </p:cNvSpPr>
           <p:nvPr>
             <p:ph type="ftr" sz="quarter" idx="2"/>
@@ -235,7 +237,7 @@
         <p:nvSpPr>
           <p:cNvPr id="5" name="灯片编号占位符 4"/>
           <p:cNvSpPr>
-            <a:spLocks noGrp="1"/>
+            <a:spLocks noGrp="true"/>
           </p:cNvSpPr>
           <p:nvPr>
             <p:ph type="sldNum" sz="quarter" idx="3"/>
@@ -297,7 +299,7 @@
         <p:nvSpPr>
           <p:cNvPr id="2" name="页眉占位符 1"/>
           <p:cNvSpPr>
-            <a:spLocks noGrp="1"/>
+            <a:spLocks noGrp="true"/>
           </p:cNvSpPr>
           <p:nvPr>
             <p:ph type="hdr" sz="quarter"/>
@@ -328,7 +330,7 @@
         <p:nvSpPr>
           <p:cNvPr id="3" name="日期占位符 2"/>
           <p:cNvSpPr>
-            <a:spLocks noGrp="1"/>
+            <a:spLocks noGrp="true"/>
           </p:cNvSpPr>
           <p:nvPr>
             <p:ph type="dt" idx="1"/>
@@ -362,7 +364,7 @@
         <p:nvSpPr>
           <p:cNvPr id="4" name="幻灯片图像占位符 3"/>
           <p:cNvSpPr>
-            <a:spLocks noGrp="1" noRot="1" noChangeAspect="1"/>
+            <a:spLocks noGrp="true" noRot="true" noChangeAspect="true"/>
           </p:cNvSpPr>
           <p:nvPr>
             <p:ph type="sldImg" idx="2"/>
@@ -395,7 +397,7 @@
         <p:nvSpPr>
           <p:cNvPr id="5" name="备注占位符 4"/>
           <p:cNvSpPr>
-            <a:spLocks noGrp="1"/>
+            <a:spLocks noGrp="true"/>
           </p:cNvSpPr>
           <p:nvPr>
             <p:ph type="body" sz="quarter" idx="3"/>
@@ -459,7 +461,7 @@
         <p:nvSpPr>
           <p:cNvPr id="6" name="页脚占位符 5"/>
           <p:cNvSpPr>
-            <a:spLocks noGrp="1"/>
+            <a:spLocks noGrp="true"/>
           </p:cNvSpPr>
           <p:nvPr>
             <p:ph type="ftr" sz="quarter" idx="4"/>
@@ -490,7 +492,7 @@
         <p:nvSpPr>
           <p:cNvPr id="7" name="灯片编号占位符 6"/>
           <p:cNvSpPr>
-            <a:spLocks noGrp="1"/>
+            <a:spLocks noGrp="true"/>
           </p:cNvSpPr>
           <p:nvPr>
             <p:ph type="sldNum" sz="quarter" idx="5"/>
@@ -639,10 +641,10 @@
         <p:nvSpPr>
           <p:cNvPr id="2" name="标题 1"/>
           <p:cNvSpPr>
-            <a:spLocks noGrp="1"/>
+            <a:spLocks noGrp="true"/>
           </p:cNvSpPr>
           <p:nvPr>
-            <p:ph type="ctrTitle" hasCustomPrompt="1"/>
+            <p:ph type="ctrTitle" hasCustomPrompt="true"/>
           </p:nvPr>
         </p:nvSpPr>
         <p:spPr>
@@ -684,7 +686,7 @@
         <p:nvSpPr>
           <p:cNvPr id="4" name="日期占位符 3"/>
           <p:cNvSpPr>
-            <a:spLocks noGrp="1"/>
+            <a:spLocks noGrp="true"/>
           </p:cNvSpPr>
           <p:nvPr>
             <p:ph type="dt" sz="half" idx="10"/>
@@ -706,7 +708,7 @@
         <p:nvSpPr>
           <p:cNvPr id="5" name="页脚占位符 4"/>
           <p:cNvSpPr>
-            <a:spLocks noGrp="1"/>
+            <a:spLocks noGrp="true"/>
           </p:cNvSpPr>
           <p:nvPr>
             <p:ph type="ftr" sz="quarter" idx="11"/>
@@ -725,7 +727,7 @@
         <p:nvSpPr>
           <p:cNvPr id="6" name="灯片编号占位符 5"/>
           <p:cNvSpPr>
-            <a:spLocks noGrp="1"/>
+            <a:spLocks noGrp="true"/>
           </p:cNvSpPr>
           <p:nvPr>
             <p:ph type="sldNum" sz="quarter" idx="12"/>
@@ -747,10 +749,10 @@
         <p:nvSpPr>
           <p:cNvPr id="3" name="副标题 2"/>
           <p:cNvSpPr>
-            <a:spLocks noGrp="1"/>
+            <a:spLocks noGrp="true"/>
           </p:cNvSpPr>
           <p:nvPr>
-            <p:ph type="subTitle" idx="1" hasCustomPrompt="1"/>
+            <p:ph type="subTitle" idx="1" hasCustomPrompt="true"/>
           </p:nvPr>
         </p:nvSpPr>
         <p:spPr>
@@ -849,7 +851,7 @@
         <p:nvSpPr>
           <p:cNvPr id="3" name="日期占位符 2"/>
           <p:cNvSpPr>
-            <a:spLocks noGrp="1"/>
+            <a:spLocks noGrp="true"/>
           </p:cNvSpPr>
           <p:nvPr>
             <p:ph type="dt" sz="half" idx="10"/>
@@ -871,7 +873,7 @@
         <p:nvSpPr>
           <p:cNvPr id="4" name="页脚占位符 3"/>
           <p:cNvSpPr>
-            <a:spLocks noGrp="1"/>
+            <a:spLocks noGrp="true"/>
           </p:cNvSpPr>
           <p:nvPr>
             <p:ph type="ftr" sz="quarter" idx="11"/>
@@ -890,7 +892,7 @@
         <p:nvSpPr>
           <p:cNvPr id="5" name="灯片编号占位符 4"/>
           <p:cNvSpPr>
-            <a:spLocks noGrp="1"/>
+            <a:spLocks noGrp="true"/>
           </p:cNvSpPr>
           <p:nvPr>
             <p:ph type="sldNum" sz="quarter" idx="12"/>
@@ -912,7 +914,7 @@
         <p:nvSpPr>
           <p:cNvPr id="7" name="内容占位符 6"/>
           <p:cNvSpPr>
-            <a:spLocks noGrp="1"/>
+            <a:spLocks noGrp="true"/>
           </p:cNvSpPr>
           <p:nvPr>
             <p:ph sz="quarter" idx="13"/>
@@ -998,7 +1000,7 @@
         <p:nvSpPr>
           <p:cNvPr id="2" name="标题 1"/>
           <p:cNvSpPr>
-            <a:spLocks noGrp="1"/>
+            <a:spLocks noGrp="true"/>
           </p:cNvSpPr>
           <p:nvPr>
             <p:ph type="title"/>
@@ -1011,7 +1013,7 @@
           </a:xfrm>
         </p:spPr>
         <p:txBody>
-          <a:bodyPr anchor="ctr" anchorCtr="0">
+          <a:bodyPr anchor="ctr" anchorCtr="false">
             <a:normAutofit/>
           </a:bodyPr>
           <a:lstStyle>
@@ -1040,7 +1042,7 @@
         <p:nvSpPr>
           <p:cNvPr id="3" name="内容占位符 2"/>
           <p:cNvSpPr>
-            <a:spLocks noGrp="1"/>
+            <a:spLocks noGrp="true"/>
           </p:cNvSpPr>
           <p:nvPr>
             <p:ph idx="1"/>
@@ -1154,7 +1156,7 @@
         <p:nvSpPr>
           <p:cNvPr id="4" name="日期占位符 3"/>
           <p:cNvSpPr>
-            <a:spLocks noGrp="1"/>
+            <a:spLocks noGrp="true"/>
           </p:cNvSpPr>
           <p:nvPr>
             <p:ph type="dt" sz="half" idx="10"/>
@@ -1176,7 +1178,7 @@
         <p:nvSpPr>
           <p:cNvPr id="5" name="页脚占位符 4"/>
           <p:cNvSpPr>
-            <a:spLocks noGrp="1"/>
+            <a:spLocks noGrp="true"/>
           </p:cNvSpPr>
           <p:nvPr>
             <p:ph type="ftr" sz="quarter" idx="11"/>
@@ -1195,7 +1197,7 @@
         <p:nvSpPr>
           <p:cNvPr id="6" name="灯片编号占位符 5"/>
           <p:cNvSpPr>
-            <a:spLocks noGrp="1"/>
+            <a:spLocks noGrp="true"/>
           </p:cNvSpPr>
           <p:nvPr>
             <p:ph type="sldNum" sz="quarter" idx="12"/>
@@ -1242,7 +1244,7 @@
         <p:nvSpPr>
           <p:cNvPr id="2" name="标题 1"/>
           <p:cNvSpPr>
-            <a:spLocks noGrp="1"/>
+            <a:spLocks noGrp="true"/>
           </p:cNvSpPr>
           <p:nvPr>
             <p:ph type="title"/>
@@ -1284,7 +1286,7 @@
         <p:nvSpPr>
           <p:cNvPr id="3" name="文本占位符 2"/>
           <p:cNvSpPr>
-            <a:spLocks noGrp="1"/>
+            <a:spLocks noGrp="true"/>
           </p:cNvSpPr>
           <p:nvPr>
             <p:ph type="body" idx="1"/>
@@ -1404,7 +1406,7 @@
         <p:nvSpPr>
           <p:cNvPr id="4" name="日期占位符 3"/>
           <p:cNvSpPr>
-            <a:spLocks noGrp="1"/>
+            <a:spLocks noGrp="true"/>
           </p:cNvSpPr>
           <p:nvPr>
             <p:ph type="dt" sz="half" idx="10"/>
@@ -1426,7 +1428,7 @@
         <p:nvSpPr>
           <p:cNvPr id="5" name="页脚占位符 4"/>
           <p:cNvSpPr>
-            <a:spLocks noGrp="1"/>
+            <a:spLocks noGrp="true"/>
           </p:cNvSpPr>
           <p:nvPr>
             <p:ph type="ftr" sz="quarter" idx="11"/>
@@ -1445,7 +1447,7 @@
         <p:nvSpPr>
           <p:cNvPr id="6" name="灯片编号占位符 5"/>
           <p:cNvSpPr>
-            <a:spLocks noGrp="1"/>
+            <a:spLocks noGrp="true"/>
           </p:cNvSpPr>
           <p:nvPr>
             <p:ph type="sldNum" sz="quarter" idx="12"/>
@@ -1492,7 +1494,7 @@
         <p:nvSpPr>
           <p:cNvPr id="2" name="标题 1"/>
           <p:cNvSpPr>
-            <a:spLocks noGrp="1"/>
+            <a:spLocks noGrp="true"/>
           </p:cNvSpPr>
           <p:nvPr>
             <p:ph type="title"/>
@@ -1534,7 +1536,7 @@
         <p:nvSpPr>
           <p:cNvPr id="3" name="内容占位符 2"/>
           <p:cNvSpPr>
-            <a:spLocks noGrp="1"/>
+            <a:spLocks noGrp="true"/>
           </p:cNvSpPr>
           <p:nvPr>
             <p:ph sz="half" idx="1"/>
@@ -1663,7 +1665,7 @@
         <p:nvSpPr>
           <p:cNvPr id="4" name="内容占位符 3"/>
           <p:cNvSpPr>
-            <a:spLocks noGrp="1"/>
+            <a:spLocks noGrp="true"/>
           </p:cNvSpPr>
           <p:nvPr>
             <p:ph sz="half" idx="2"/>
@@ -1792,7 +1794,7 @@
         <p:nvSpPr>
           <p:cNvPr id="5" name="日期占位符 4"/>
           <p:cNvSpPr>
-            <a:spLocks noGrp="1"/>
+            <a:spLocks noGrp="true"/>
           </p:cNvSpPr>
           <p:nvPr>
             <p:ph type="dt" sz="half" idx="10"/>
@@ -1814,7 +1816,7 @@
         <p:nvSpPr>
           <p:cNvPr id="6" name="页脚占位符 5"/>
           <p:cNvSpPr>
-            <a:spLocks noGrp="1"/>
+            <a:spLocks noGrp="true"/>
           </p:cNvSpPr>
           <p:nvPr>
             <p:ph type="ftr" sz="quarter" idx="11"/>
@@ -1833,7 +1835,7 @@
         <p:nvSpPr>
           <p:cNvPr id="7" name="灯片编号占位符 6"/>
           <p:cNvSpPr>
-            <a:spLocks noGrp="1"/>
+            <a:spLocks noGrp="true"/>
           </p:cNvSpPr>
           <p:nvPr>
             <p:ph type="sldNum" sz="quarter" idx="12"/>
@@ -1880,7 +1882,7 @@
         <p:nvSpPr>
           <p:cNvPr id="2" name="标题 1"/>
           <p:cNvSpPr>
-            <a:spLocks noGrp="1"/>
+            <a:spLocks noGrp="true"/>
           </p:cNvSpPr>
           <p:nvPr>
             <p:ph type="title"/>
@@ -1908,7 +1910,7 @@
         <p:nvSpPr>
           <p:cNvPr id="3" name="文本占位符 2"/>
           <p:cNvSpPr>
-            <a:spLocks noGrp="1"/>
+            <a:spLocks noGrp="true"/>
           </p:cNvSpPr>
           <p:nvPr>
             <p:ph type="body" idx="1"/>
@@ -1974,7 +1976,7 @@
         <p:nvSpPr>
           <p:cNvPr id="4" name="内容占位符 3"/>
           <p:cNvSpPr>
-            <a:spLocks noGrp="1"/>
+            <a:spLocks noGrp="true"/>
           </p:cNvSpPr>
           <p:nvPr>
             <p:ph sz="half" idx="2"/>
@@ -2035,7 +2037,7 @@
         <p:nvSpPr>
           <p:cNvPr id="5" name="文本占位符 4"/>
           <p:cNvSpPr>
-            <a:spLocks noGrp="1"/>
+            <a:spLocks noGrp="true"/>
           </p:cNvSpPr>
           <p:nvPr>
             <p:ph type="body" sz="quarter" idx="3"/>
@@ -2101,7 +2103,7 @@
         <p:nvSpPr>
           <p:cNvPr id="6" name="内容占位符 5"/>
           <p:cNvSpPr>
-            <a:spLocks noGrp="1"/>
+            <a:spLocks noGrp="true"/>
           </p:cNvSpPr>
           <p:nvPr>
             <p:ph sz="quarter" idx="4"/>
@@ -2162,7 +2164,7 @@
         <p:nvSpPr>
           <p:cNvPr id="7" name="日期占位符 6"/>
           <p:cNvSpPr>
-            <a:spLocks noGrp="1"/>
+            <a:spLocks noGrp="true"/>
           </p:cNvSpPr>
           <p:nvPr>
             <p:ph type="dt" sz="half" idx="10"/>
@@ -2184,7 +2186,7 @@
         <p:nvSpPr>
           <p:cNvPr id="8" name="页脚占位符 7"/>
           <p:cNvSpPr>
-            <a:spLocks noGrp="1"/>
+            <a:spLocks noGrp="true"/>
           </p:cNvSpPr>
           <p:nvPr>
             <p:ph type="ftr" sz="quarter" idx="11"/>
@@ -2203,7 +2205,7 @@
         <p:nvSpPr>
           <p:cNvPr id="9" name="灯片编号占位符 8"/>
           <p:cNvSpPr>
-            <a:spLocks noGrp="1"/>
+            <a:spLocks noGrp="true"/>
           </p:cNvSpPr>
           <p:nvPr>
             <p:ph type="sldNum" sz="quarter" idx="12"/>
@@ -2250,7 +2252,7 @@
         <p:nvSpPr>
           <p:cNvPr id="2" name="标题 1"/>
           <p:cNvSpPr>
-            <a:spLocks noGrp="1"/>
+            <a:spLocks noGrp="true"/>
           </p:cNvSpPr>
           <p:nvPr>
             <p:ph type="title"/>
@@ -2292,7 +2294,7 @@
         <p:nvSpPr>
           <p:cNvPr id="3" name="日期占位符 2"/>
           <p:cNvSpPr>
-            <a:spLocks noGrp="1"/>
+            <a:spLocks noGrp="true"/>
           </p:cNvSpPr>
           <p:nvPr>
             <p:ph type="dt" sz="half" idx="10"/>
@@ -2314,7 +2316,7 @@
         <p:nvSpPr>
           <p:cNvPr id="4" name="页脚占位符 3"/>
           <p:cNvSpPr>
-            <a:spLocks noGrp="1"/>
+            <a:spLocks noGrp="true"/>
           </p:cNvSpPr>
           <p:nvPr>
             <p:ph type="ftr" sz="quarter" idx="11"/>
@@ -2333,7 +2335,7 @@
         <p:nvSpPr>
           <p:cNvPr id="5" name="灯片编号占位符 4"/>
           <p:cNvSpPr>
-            <a:spLocks noGrp="1"/>
+            <a:spLocks noGrp="true"/>
           </p:cNvSpPr>
           <p:nvPr>
             <p:ph type="sldNum" sz="quarter" idx="12"/>
@@ -2380,7 +2382,7 @@
         <p:nvSpPr>
           <p:cNvPr id="2" name="日期占位符 1"/>
           <p:cNvSpPr>
-            <a:spLocks noGrp="1"/>
+            <a:spLocks noGrp="true"/>
           </p:cNvSpPr>
           <p:nvPr>
             <p:ph type="dt" sz="half" idx="10"/>
@@ -2402,7 +2404,7 @@
         <p:nvSpPr>
           <p:cNvPr id="3" name="页脚占位符 2"/>
           <p:cNvSpPr>
-            <a:spLocks noGrp="1"/>
+            <a:spLocks noGrp="true"/>
           </p:cNvSpPr>
           <p:nvPr>
             <p:ph type="ftr" sz="quarter" idx="11"/>
@@ -2421,7 +2423,7 @@
         <p:nvSpPr>
           <p:cNvPr id="4" name="灯片编号占位符 3"/>
           <p:cNvSpPr>
-            <a:spLocks noGrp="1"/>
+            <a:spLocks noGrp="true"/>
           </p:cNvSpPr>
           <p:nvPr>
             <p:ph type="sldNum" sz="quarter" idx="12"/>
@@ -2468,10 +2470,10 @@
         <p:nvSpPr>
           <p:cNvPr id="2" name="标题 1"/>
           <p:cNvSpPr>
-            <a:spLocks noGrp="1"/>
+            <a:spLocks noGrp="true"/>
           </p:cNvSpPr>
           <p:nvPr>
-            <p:ph type="title" hasCustomPrompt="1"/>
+            <p:ph type="title" hasCustomPrompt="true"/>
           </p:nvPr>
         </p:nvSpPr>
         <p:spPr>
@@ -2481,7 +2483,7 @@
           </a:xfrm>
         </p:spPr>
         <p:txBody>
-          <a:bodyPr anchor="ctr" anchorCtr="0">
+          <a:bodyPr anchor="ctr" anchorCtr="false">
             <a:normAutofit/>
           </a:bodyPr>
           <a:lstStyle>
@@ -2510,7 +2512,7 @@
         <p:nvSpPr>
           <p:cNvPr id="3" name="图片占位符 2"/>
           <p:cNvSpPr>
-            <a:spLocks noGrp="1" noChangeAspect="1"/>
+            <a:spLocks noGrp="true" noChangeAspect="true"/>
           </p:cNvSpPr>
           <p:nvPr>
             <p:ph type="pic" idx="1"/>
@@ -2571,7 +2573,7 @@
         <p:nvSpPr>
           <p:cNvPr id="4" name="文本占位符 3"/>
           <p:cNvSpPr>
-            <a:spLocks noGrp="1"/>
+            <a:spLocks noGrp="true"/>
           </p:cNvSpPr>
           <p:nvPr>
             <p:ph type="body" sz="half" idx="2"/>
@@ -2642,7 +2644,7 @@
         <p:nvSpPr>
           <p:cNvPr id="5" name="日期占位符 4"/>
           <p:cNvSpPr>
-            <a:spLocks noGrp="1"/>
+            <a:spLocks noGrp="true"/>
           </p:cNvSpPr>
           <p:nvPr>
             <p:ph type="dt" sz="half" idx="10"/>
@@ -2664,7 +2666,7 @@
         <p:nvSpPr>
           <p:cNvPr id="6" name="页脚占位符 5"/>
           <p:cNvSpPr>
-            <a:spLocks noGrp="1"/>
+            <a:spLocks noGrp="true"/>
           </p:cNvSpPr>
           <p:nvPr>
             <p:ph type="ftr" sz="quarter" idx="11"/>
@@ -2683,7 +2685,7 @@
         <p:nvSpPr>
           <p:cNvPr id="7" name="灯片编号占位符 6"/>
           <p:cNvSpPr>
-            <a:spLocks noGrp="1"/>
+            <a:spLocks noGrp="true"/>
           </p:cNvSpPr>
           <p:nvPr>
             <p:ph type="sldNum" sz="quarter" idx="12"/>
@@ -2730,7 +2732,7 @@
         <p:nvSpPr>
           <p:cNvPr id="2" name="竖排标题 1"/>
           <p:cNvSpPr>
-            <a:spLocks noGrp="1"/>
+            <a:spLocks noGrp="true"/>
           </p:cNvSpPr>
           <p:nvPr>
             <p:ph type="title" orient="vert"/>
@@ -2764,7 +2766,7 @@
         <p:nvSpPr>
           <p:cNvPr id="3" name="竖排文字占位符 2"/>
           <p:cNvSpPr>
-            <a:spLocks noGrp="1"/>
+            <a:spLocks noGrp="true"/>
           </p:cNvSpPr>
           <p:nvPr>
             <p:ph type="body" orient="vert" idx="1"/>
@@ -2825,7 +2827,7 @@
         <p:nvSpPr>
           <p:cNvPr id="4" name="日期占位符 3"/>
           <p:cNvSpPr>
-            <a:spLocks noGrp="1"/>
+            <a:spLocks noGrp="true"/>
           </p:cNvSpPr>
           <p:nvPr>
             <p:ph type="dt" sz="half" idx="10"/>
@@ -2847,7 +2849,7 @@
         <p:nvSpPr>
           <p:cNvPr id="5" name="页脚占位符 4"/>
           <p:cNvSpPr>
-            <a:spLocks noGrp="1"/>
+            <a:spLocks noGrp="true"/>
           </p:cNvSpPr>
           <p:nvPr>
             <p:ph type="ftr" sz="quarter" idx="11"/>
@@ -2866,7 +2868,7 @@
         <p:nvSpPr>
           <p:cNvPr id="6" name="灯片编号占位符 5"/>
           <p:cNvSpPr>
-            <a:spLocks noGrp="1"/>
+            <a:spLocks noGrp="true"/>
           </p:cNvSpPr>
           <p:nvPr>
             <p:ph type="sldNum" sz="quarter" idx="12"/>
@@ -2921,7 +2923,7 @@
         <p:nvSpPr>
           <p:cNvPr id="2" name="标题占位符 1"/>
           <p:cNvSpPr>
-            <a:spLocks noGrp="1"/>
+            <a:spLocks noGrp="true"/>
           </p:cNvSpPr>
           <p:nvPr>
             <p:ph type="title"/>
@@ -2954,7 +2956,7 @@
         <p:nvSpPr>
           <p:cNvPr id="3" name="文本占位符 2"/>
           <p:cNvSpPr>
-            <a:spLocks noGrp="1"/>
+            <a:spLocks noGrp="true"/>
           </p:cNvSpPr>
           <p:nvPr>
             <p:ph type="body" idx="1"/>
@@ -3020,7 +3022,7 @@
         <p:nvSpPr>
           <p:cNvPr id="4" name="日期占位符 3"/>
           <p:cNvSpPr>
-            <a:spLocks noGrp="1"/>
+            <a:spLocks noGrp="true"/>
           </p:cNvSpPr>
           <p:nvPr>
             <p:ph type="dt" sz="half" idx="2"/>
@@ -3062,7 +3064,7 @@
         <p:nvSpPr>
           <p:cNvPr id="5" name="页脚占位符 4"/>
           <p:cNvSpPr>
-            <a:spLocks noGrp="1"/>
+            <a:spLocks noGrp="true"/>
           </p:cNvSpPr>
           <p:nvPr>
             <p:ph type="ftr" sz="quarter" idx="3"/>
@@ -3101,7 +3103,7 @@
         <p:nvSpPr>
           <p:cNvPr id="6" name="灯片编号占位符 5"/>
           <p:cNvSpPr>
-            <a:spLocks noGrp="1"/>
+            <a:spLocks noGrp="true"/>
           </p:cNvSpPr>
           <p:nvPr>
             <p:ph type="sldNum" sz="quarter" idx="4"/>
@@ -3182,7 +3184,7 @@
         <a:spcBef>
           <a:spcPts val="1000"/>
         </a:spcBef>
-        <a:buFont typeface="Arial" panose="020B0604020202020204" pitchFamily="34" charset="0"/>
+        <a:buFont typeface="Arial" panose="02080604020202020204" pitchFamily="34" charset="0"/>
         <a:buChar char="•"/>
         <a:defRPr sz="2400" kern="1200">
           <a:solidFill>
@@ -3200,7 +3202,7 @@
         <a:spcBef>
           <a:spcPts val="500"/>
         </a:spcBef>
-        <a:buFont typeface="Arial" panose="020B0604020202020204" pitchFamily="34" charset="0"/>
+        <a:buFont typeface="Arial" panose="02080604020202020204" pitchFamily="34" charset="0"/>
         <a:buChar char="•"/>
         <a:defRPr sz="2000" kern="1200">
           <a:solidFill>
@@ -3218,7 +3220,7 @@
         <a:spcBef>
           <a:spcPts val="500"/>
         </a:spcBef>
-        <a:buFont typeface="Arial" panose="020B0604020202020204" pitchFamily="34" charset="0"/>
+        <a:buFont typeface="Arial" panose="02080604020202020204" pitchFamily="34" charset="0"/>
         <a:buChar char="•"/>
         <a:defRPr sz="1800" kern="1200">
           <a:solidFill>
@@ -3236,7 +3238,7 @@
         <a:spcBef>
           <a:spcPts val="500"/>
         </a:spcBef>
-        <a:buFont typeface="Arial" panose="020B0604020202020204" pitchFamily="34" charset="0"/>
+        <a:buFont typeface="Arial" panose="02080604020202020204" pitchFamily="34" charset="0"/>
         <a:buChar char="•"/>
         <a:defRPr sz="1800" kern="1200">
           <a:solidFill>
@@ -3254,7 +3256,7 @@
         <a:spcBef>
           <a:spcPts val="500"/>
         </a:spcBef>
-        <a:buFont typeface="Arial" panose="020B0604020202020204" pitchFamily="34" charset="0"/>
+        <a:buFont typeface="Arial" panose="02080604020202020204" pitchFamily="34" charset="0"/>
         <a:buChar char="•"/>
         <a:defRPr sz="1800" kern="1200">
           <a:solidFill>
@@ -3272,7 +3274,7 @@
         <a:spcBef>
           <a:spcPts val="500"/>
         </a:spcBef>
-        <a:buFont typeface="Arial" panose="020B0604020202020204" pitchFamily="34" charset="0"/>
+        <a:buFont typeface="Arial" panose="02080604020202020204" pitchFamily="34" charset="0"/>
         <a:buChar char="•"/>
         <a:defRPr sz="1800" kern="1200">
           <a:solidFill>
@@ -3290,7 +3292,7 @@
         <a:spcBef>
           <a:spcPts val="500"/>
         </a:spcBef>
-        <a:buFont typeface="Arial" panose="020B0604020202020204" pitchFamily="34" charset="0"/>
+        <a:buFont typeface="Arial" panose="02080604020202020204" pitchFamily="34" charset="0"/>
         <a:buChar char="•"/>
         <a:defRPr sz="1800" kern="1200">
           <a:solidFill>
@@ -3308,7 +3310,7 @@
         <a:spcBef>
           <a:spcPts val="500"/>
         </a:spcBef>
-        <a:buFont typeface="Arial" panose="020B0604020202020204" pitchFamily="34" charset="0"/>
+        <a:buFont typeface="Arial" panose="02080604020202020204" pitchFamily="34" charset="0"/>
         <a:buChar char="•"/>
         <a:defRPr sz="1800" kern="1200">
           <a:solidFill>
@@ -3326,7 +3328,7 @@
         <a:spcBef>
           <a:spcPts val="500"/>
         </a:spcBef>
-        <a:buFont typeface="Arial" panose="020B0604020202020204" pitchFamily="34" charset="0"/>
+        <a:buFont typeface="Arial" panose="02080604020202020204" pitchFamily="34" charset="0"/>
         <a:buChar char="•"/>
         <a:defRPr sz="1800" kern="1200">
           <a:solidFill>
@@ -3462,9 +3464,9 @@
             <a:avLst/>
           </a:prstGeom>
           <a:noFill/>
-          <a:ln>
+          <a:ln w="38100">
             <a:solidFill>
-              <a:srgbClr val="3EAF7C"/>
+              <a:srgbClr val="2C3E50"/>
             </a:solidFill>
           </a:ln>
           <a:extLst>
@@ -3528,9 +3530,9 @@
             <a:avLst/>
           </a:prstGeom>
           <a:noFill/>
-          <a:ln>
+          <a:ln w="38100">
             <a:solidFill>
-              <a:srgbClr val="3EAF7C"/>
+              <a:srgbClr val="2C3E50"/>
             </a:solidFill>
           </a:ln>
           <a:extLst>
@@ -3596,15 +3598,15 @@
         <p:spPr>
           <a:xfrm>
             <a:off x="2390140" y="1754505"/>
-            <a:ext cx="469265" cy="315595"/>
+            <a:ext cx="592455" cy="315595"/>
           </a:xfrm>
           <a:prstGeom prst="rect">
             <a:avLst/>
           </a:prstGeom>
           <a:noFill/>
-          <a:ln>
+          <a:ln w="38100">
             <a:solidFill>
-              <a:srgbClr val="3EAF7C"/>
+              <a:srgbClr val="2C3E50"/>
             </a:solidFill>
           </a:ln>
           <a:extLst>
@@ -3638,14 +3640,14 @@
           <a:p>
             <a:pPr algn="ctr"/>
             <a:r>
-              <a:rPr lang="en-US" altLang="zh-CN" sz="800">
+              <a:rPr lang="en-US" altLang="zh-CN" sz="800" b="1">
                 <a:solidFill>
                   <a:srgbClr val="2C3E50"/>
                 </a:solidFill>
               </a:rPr>
               <a:t>Store</a:t>
             </a:r>
-            <a:endParaRPr lang="en-US" altLang="zh-CN" sz="800">
+            <a:endParaRPr lang="en-US" altLang="zh-CN" sz="800" b="1">
               <a:solidFill>
                 <a:srgbClr val="2C3E50"/>
               </a:solidFill>
@@ -3654,14 +3656,14 @@
           <a:p>
             <a:pPr algn="ctr"/>
             <a:r>
-              <a:rPr lang="en-US" altLang="zh-CN" sz="800">
+              <a:rPr lang="en-US" altLang="zh-CN" sz="800" b="1">
                 <a:solidFill>
                   <a:srgbClr val="2C3E50"/>
                 </a:solidFill>
               </a:rPr>
               <a:t>buffer</a:t>
             </a:r>
-            <a:endParaRPr lang="en-US" altLang="zh-CN" sz="800">
+            <a:endParaRPr lang="en-US" altLang="zh-CN" sz="800" b="1">
               <a:solidFill>
                 <a:srgbClr val="2C3E50"/>
               </a:solidFill>
@@ -3684,9 +3686,9 @@
             <a:avLst/>
           </a:prstGeom>
           <a:noFill/>
-          <a:ln>
+          <a:ln w="38100">
             <a:solidFill>
-              <a:srgbClr val="3EAF7C"/>
+              <a:srgbClr val="2C3E50"/>
             </a:solidFill>
           </a:ln>
           <a:extLst>
@@ -3758,15 +3760,15 @@
         <p:spPr>
           <a:xfrm>
             <a:off x="3999865" y="1770380"/>
-            <a:ext cx="469265" cy="315595"/>
+            <a:ext cx="592455" cy="315595"/>
           </a:xfrm>
           <a:prstGeom prst="rect">
             <a:avLst/>
           </a:prstGeom>
           <a:noFill/>
-          <a:ln>
+          <a:ln w="38100">
             <a:solidFill>
-              <a:srgbClr val="3EAF7C"/>
+              <a:srgbClr val="2C3E50"/>
             </a:solidFill>
           </a:ln>
           <a:extLst>
@@ -3800,14 +3802,14 @@
           <a:p>
             <a:pPr algn="ctr"/>
             <a:r>
-              <a:rPr lang="en-US" altLang="zh-CN" sz="800">
+              <a:rPr lang="en-US" altLang="zh-CN" sz="800" b="1">
                 <a:solidFill>
                   <a:srgbClr val="2C3E50"/>
                 </a:solidFill>
               </a:rPr>
               <a:t>Store</a:t>
             </a:r>
-            <a:endParaRPr lang="en-US" altLang="zh-CN" sz="800">
+            <a:endParaRPr lang="en-US" altLang="zh-CN" sz="800" b="1">
               <a:solidFill>
                 <a:srgbClr val="2C3E50"/>
               </a:solidFill>
@@ -3816,14 +3818,14 @@
           <a:p>
             <a:pPr algn="ctr"/>
             <a:r>
-              <a:rPr lang="en-US" altLang="zh-CN" sz="800">
+              <a:rPr lang="en-US" altLang="zh-CN" sz="800" b="1">
                 <a:solidFill>
                   <a:srgbClr val="2C3E50"/>
                 </a:solidFill>
               </a:rPr>
               <a:t>buffer</a:t>
             </a:r>
-            <a:endParaRPr lang="en-US" altLang="zh-CN" sz="800">
+            <a:endParaRPr lang="en-US" altLang="zh-CN" sz="800" b="1">
               <a:solidFill>
                 <a:srgbClr val="2C3E50"/>
               </a:solidFill>
@@ -3846,9 +3848,9 @@
             <a:avLst/>
           </a:prstGeom>
           <a:noFill/>
-          <a:ln>
+          <a:ln w="38100">
             <a:solidFill>
-              <a:srgbClr val="3EAF7C"/>
+              <a:srgbClr val="2C3E50"/>
             </a:solidFill>
           </a:ln>
           <a:extLst>
@@ -3926,9 +3928,9 @@
             <a:avLst/>
           </a:prstGeom>
           <a:noFill/>
-          <a:ln>
+          <a:ln w="38100">
             <a:solidFill>
-              <a:srgbClr val="3EAF7C"/>
+              <a:srgbClr val="2C3E50"/>
             </a:solidFill>
           </a:ln>
           <a:extLst>
@@ -3962,7 +3964,7 @@
           <a:p>
             <a:pPr algn="ctr"/>
             <a:r>
-              <a:rPr lang="" altLang="en-US" sz="970" b="1">
+              <a:rPr lang="en-US" altLang="en-US" sz="970" b="1">
                 <a:ln>
                   <a:noFill/>
                 </a:ln>
@@ -3970,7 +3972,7 @@
               <a:t>互</a:t>
             </a:r>
             <a:r>
-              <a:rPr lang="" altLang="en-US" sz="970" b="1">
+              <a:rPr lang="en-US" altLang="en-US" sz="970" b="1">
                 <a:ln>
                   <a:noFill/>
                 </a:ln>
@@ -3980,7 +3982,7 @@
               </a:rPr>
               <a:t>Interconnect</a:t>
             </a:r>
-            <a:endParaRPr lang="" altLang="en-US" sz="970" b="1">
+            <a:endParaRPr lang="en-US" altLang="en-US" sz="970" b="1">
               <a:ln>
                 <a:noFill/>
               </a:ln>
@@ -4006,9 +4008,9 @@
             <a:avLst/>
           </a:prstGeom>
           <a:noFill/>
-          <a:ln>
+          <a:ln w="38100">
             <a:solidFill>
-              <a:srgbClr val="3EAF7C"/>
+              <a:srgbClr val="2C3E50"/>
             </a:solidFill>
           </a:ln>
           <a:extLst>
@@ -4042,7 +4044,7 @@
           <a:p>
             <a:pPr algn="ctr"/>
             <a:r>
-              <a:rPr lang="en-US" altLang="zh-CN" sz="970" b="1">
+              <a:rPr lang="en-US" altLang="zh-CN" b="1">
                 <a:ln>
                   <a:noFill/>
                 </a:ln>
@@ -4050,7 +4052,7 @@
               <a:t>r</a:t>
             </a:r>
             <a:r>
-              <a:rPr lang="en-US" altLang="en-US" sz="970" b="1">
+              <a:rPr lang="en-US" altLang="en-US" b="1">
                 <a:ln>
                   <a:noFill/>
                 </a:ln>
@@ -4060,7 +4062,7 @@
               </a:rPr>
               <a:t>Memory</a:t>
             </a:r>
-            <a:endParaRPr lang="en-US" altLang="en-US" sz="970" b="1">
+            <a:endParaRPr lang="en-US" altLang="en-US" b="1">
               <a:ln>
                 <a:noFill/>
               </a:ln>
@@ -4081,7 +4083,7 @@
           <p:nvPr/>
         </p:nvCxnSpPr>
         <p:spPr>
-          <a:xfrm flipH="1" flipV="1">
+          <a:xfrm flipH="true" flipV="true">
             <a:off x="2293620" y="2659380"/>
             <a:ext cx="9525" cy="224155"/>
           </a:xfrm>
@@ -4117,7 +4119,7 @@
           <p:nvPr/>
         </p:nvCxnSpPr>
         <p:spPr>
-          <a:xfrm flipH="1" flipV="1">
+          <a:xfrm flipH="true" flipV="true">
             <a:off x="4105910" y="2675255"/>
             <a:ext cx="635" cy="273685"/>
           </a:xfrm>
@@ -4153,7 +4155,7 @@
           <p:nvPr/>
         </p:nvCxnSpPr>
         <p:spPr>
-          <a:xfrm flipV="1">
+          <a:xfrm flipV="true">
             <a:off x="2189480" y="1465580"/>
             <a:ext cx="0" cy="878205"/>
           </a:xfrm>
@@ -4189,7 +4191,7 @@
           <p:nvPr/>
         </p:nvCxnSpPr>
         <p:spPr>
-          <a:xfrm flipV="1">
+          <a:xfrm flipV="true">
             <a:off x="3803650" y="1465580"/>
             <a:ext cx="0" cy="878205"/>
           </a:xfrm>
@@ -4228,7 +4230,7 @@
         </p:nvCxnSpPr>
         <p:spPr>
           <a:xfrm>
-            <a:off x="2622550" y="1465580"/>
+            <a:off x="2684145" y="1465580"/>
             <a:ext cx="2540" cy="288925"/>
           </a:xfrm>
           <a:prstGeom prst="straightConnector1">
@@ -4371,7 +4373,7 @@
           <p:nvPr/>
         </p:nvCxnSpPr>
         <p:spPr>
-          <a:xfrm flipH="1" flipV="1">
+          <a:xfrm flipH="true" flipV="true">
             <a:off x="2189480" y="1823085"/>
             <a:ext cx="205740" cy="4445"/>
           </a:xfrm>
@@ -4407,7 +4409,7 @@
           <p:nvPr/>
         </p:nvCxnSpPr>
         <p:spPr>
-          <a:xfrm flipH="1" flipV="1">
+          <a:xfrm flipH="true" flipV="true">
             <a:off x="3808730" y="1833880"/>
             <a:ext cx="190500" cy="4445"/>
           </a:xfrm>
@@ -4523,9 +4525,9 @@
             <a:avLst/>
           </a:prstGeom>
           <a:noFill/>
-          <a:ln>
+          <a:ln w="38100">
             <a:solidFill>
-              <a:srgbClr val="3EAF7C"/>
+              <a:srgbClr val="2C3E50"/>
             </a:solidFill>
           </a:ln>
           <a:extLst>
@@ -4559,18 +4561,6 @@
           <a:p>
             <a:pPr algn="ctr"/>
             <a:r>
-              <a:rPr lang="" altLang="en-US" sz="1000" b="1">
-                <a:ln>
-                  <a:noFill/>
-                </a:ln>
-                <a:solidFill>
-                  <a:srgbClr val="2C3E50"/>
-                </a:solidFill>
-                <a:sym typeface="+mn-ea"/>
-              </a:rPr>
-              <a:t>System </a:t>
-            </a:r>
-            <a:r>
               <a:rPr lang="en-US" altLang="en-US" sz="1000" b="1">
                 <a:ln>
                   <a:noFill/>
@@ -4580,9 +4570,9 @@
                 </a:solidFill>
                 <a:sym typeface="+mn-ea"/>
               </a:rPr>
-              <a:t>Interconnect</a:t>
-            </a:r>
-            <a:endParaRPr lang="" altLang="zh-CN" sz="1000">
+              <a:t>System Interconnect</a:t>
+            </a:r>
+            <a:endParaRPr lang="en-US" altLang="zh-CN" sz="1000">
               <a:solidFill>
                 <a:srgbClr val="2C3E50"/>
               </a:solidFill>
@@ -4599,7 +4589,7 @@
           <p:nvPr/>
         </p:nvCxnSpPr>
         <p:spPr>
-          <a:xfrm flipH="1" flipV="1">
+          <a:xfrm flipH="true" flipV="true">
             <a:off x="3207385" y="3734435"/>
             <a:ext cx="9525" cy="347980"/>
           </a:xfrm>
@@ -4638,7 +4628,7 @@
           <p:nvPr/>
         </p:nvCxnSpPr>
         <p:spPr>
-          <a:xfrm flipV="1">
+          <a:xfrm flipV="true">
             <a:off x="4888865" y="4323715"/>
             <a:ext cx="0" cy="282575"/>
           </a:xfrm>
@@ -4682,9 +4672,9 @@
             <a:avLst/>
           </a:prstGeom>
           <a:noFill/>
-          <a:ln>
+          <a:ln w="38100">
             <a:solidFill>
-              <a:srgbClr val="3EAF7C"/>
+              <a:srgbClr val="2C3E50"/>
             </a:solidFill>
           </a:ln>
           <a:extLst>
@@ -4781,9 +4771,9 @@
             <a:avLst/>
           </a:prstGeom>
           <a:noFill/>
-          <a:ln>
+          <a:ln w="38100">
             <a:solidFill>
-              <a:srgbClr val="3EAF7C"/>
+              <a:srgbClr val="2C3E50"/>
             </a:solidFill>
           </a:ln>
           <a:extLst>
@@ -4872,7 +4862,7 @@
           <p:nvPr/>
         </p:nvCxnSpPr>
         <p:spPr>
-          <a:xfrm flipV="1">
+          <a:xfrm flipV="true">
             <a:off x="2284095" y="3204210"/>
             <a:ext cx="0" cy="312420"/>
           </a:xfrm>
@@ -4908,7 +4898,7 @@
           <p:nvPr/>
         </p:nvCxnSpPr>
         <p:spPr>
-          <a:xfrm flipV="1">
+          <a:xfrm flipV="true">
             <a:off x="4105910" y="3247390"/>
             <a:ext cx="0" cy="312420"/>
           </a:xfrm>
@@ -4952,9 +4942,9 @@
             <a:avLst/>
           </a:prstGeom>
           <a:noFill/>
-          <a:ln>
+          <a:ln w="38100">
             <a:solidFill>
-              <a:srgbClr val="3EAF7C"/>
+              <a:srgbClr val="2C3E50"/>
             </a:solidFill>
           </a:ln>
           <a:extLst>
@@ -4996,14 +4986,14 @@
               <a:t>CPU</a:t>
             </a:r>
             <a:r>
-              <a:rPr lang="" altLang="en-US" sz="1245" b="1">
+              <a:rPr lang="en-US" altLang="en-US" sz="1245" b="1">
                 <a:solidFill>
                   <a:srgbClr val="2C3E50"/>
                 </a:solidFill>
               </a:rPr>
               <a:t>3</a:t>
             </a:r>
-            <a:endParaRPr lang="" altLang="en-US" sz="1245" b="1">
+            <a:endParaRPr lang="en-US" altLang="en-US" sz="1245" b="1">
               <a:solidFill>
                 <a:srgbClr val="2C3E50"/>
               </a:solidFill>
@@ -5026,9 +5016,9 @@
             <a:avLst/>
           </a:prstGeom>
           <a:noFill/>
-          <a:ln>
+          <a:ln w="38100">
             <a:solidFill>
-              <a:srgbClr val="3EAF7C"/>
+              <a:srgbClr val="2C3E50"/>
             </a:solidFill>
           </a:ln>
           <a:extLst>
@@ -5070,14 +5060,14 @@
               <a:t>CPU</a:t>
             </a:r>
             <a:r>
-              <a:rPr lang="" altLang="en-US" sz="1245" b="1">
+              <a:rPr lang="en-US" altLang="en-US" sz="1245" b="1">
                 <a:solidFill>
                   <a:srgbClr val="2C3E50"/>
                 </a:solidFill>
               </a:rPr>
               <a:t>4</a:t>
             </a:r>
-            <a:endParaRPr lang="" altLang="en-US" sz="1245" b="1">
+            <a:endParaRPr lang="en-US" altLang="en-US" sz="1245" b="1">
               <a:solidFill>
                 <a:srgbClr val="2C3E50"/>
               </a:solidFill>
@@ -5094,15 +5084,15 @@
         <p:spPr>
           <a:xfrm>
             <a:off x="5767705" y="1754505"/>
-            <a:ext cx="469265" cy="315595"/>
+            <a:ext cx="633095" cy="315595"/>
           </a:xfrm>
           <a:prstGeom prst="rect">
             <a:avLst/>
           </a:prstGeom>
           <a:noFill/>
-          <a:ln>
+          <a:ln w="38100">
             <a:solidFill>
-              <a:srgbClr val="3EAF7C"/>
+              <a:srgbClr val="2C3E50"/>
             </a:solidFill>
           </a:ln>
           <a:extLst>
@@ -5136,14 +5126,14 @@
           <a:p>
             <a:pPr algn="ctr"/>
             <a:r>
-              <a:rPr lang="en-US" altLang="zh-CN" sz="800">
+              <a:rPr lang="en-US" altLang="zh-CN" sz="800" b="1">
                 <a:solidFill>
                   <a:srgbClr val="2C3E50"/>
                 </a:solidFill>
               </a:rPr>
               <a:t>Store</a:t>
             </a:r>
-            <a:endParaRPr lang="en-US" altLang="zh-CN" sz="800">
+            <a:endParaRPr lang="en-US" altLang="zh-CN" sz="800" b="1">
               <a:solidFill>
                 <a:srgbClr val="2C3E50"/>
               </a:solidFill>
@@ -5152,14 +5142,14 @@
           <a:p>
             <a:pPr algn="ctr"/>
             <a:r>
-              <a:rPr lang="en-US" altLang="zh-CN" sz="800">
+              <a:rPr lang="en-US" altLang="zh-CN" sz="800" b="1">
                 <a:solidFill>
                   <a:srgbClr val="2C3E50"/>
                 </a:solidFill>
               </a:rPr>
               <a:t>buffer</a:t>
             </a:r>
-            <a:endParaRPr lang="en-US" altLang="zh-CN" sz="800">
+            <a:endParaRPr lang="en-US" altLang="zh-CN" sz="800" b="1">
               <a:solidFill>
                 <a:srgbClr val="2C3E50"/>
               </a:solidFill>
@@ -5182,9 +5172,9 @@
             <a:avLst/>
           </a:prstGeom>
           <a:noFill/>
-          <a:ln>
+          <a:ln w="38100">
             <a:solidFill>
-              <a:srgbClr val="3EAF7C"/>
+              <a:srgbClr val="2C3E50"/>
             </a:solidFill>
           </a:ln>
           <a:extLst>
@@ -5256,15 +5246,15 @@
         <p:spPr>
           <a:xfrm>
             <a:off x="7377430" y="1770380"/>
-            <a:ext cx="469265" cy="315595"/>
+            <a:ext cx="621030" cy="315595"/>
           </a:xfrm>
           <a:prstGeom prst="rect">
             <a:avLst/>
           </a:prstGeom>
           <a:noFill/>
-          <a:ln>
+          <a:ln w="38100">
             <a:solidFill>
-              <a:srgbClr val="3EAF7C"/>
+              <a:srgbClr val="2C3E50"/>
             </a:solidFill>
           </a:ln>
           <a:extLst>
@@ -5298,14 +5288,14 @@
           <a:p>
             <a:pPr algn="ctr"/>
             <a:r>
-              <a:rPr lang="en-US" altLang="zh-CN" sz="800">
+              <a:rPr lang="en-US" altLang="zh-CN" sz="800" b="1">
                 <a:solidFill>
                   <a:srgbClr val="2C3E50"/>
                 </a:solidFill>
               </a:rPr>
               <a:t>Store</a:t>
             </a:r>
-            <a:endParaRPr lang="en-US" altLang="zh-CN" sz="800">
+            <a:endParaRPr lang="en-US" altLang="zh-CN" sz="800" b="1">
               <a:solidFill>
                 <a:srgbClr val="2C3E50"/>
               </a:solidFill>
@@ -5314,14 +5304,14 @@
           <a:p>
             <a:pPr algn="ctr"/>
             <a:r>
-              <a:rPr lang="en-US" altLang="zh-CN" sz="800">
+              <a:rPr lang="en-US" altLang="zh-CN" sz="800" b="1">
                 <a:solidFill>
                   <a:srgbClr val="2C3E50"/>
                 </a:solidFill>
               </a:rPr>
               <a:t>buffer</a:t>
             </a:r>
-            <a:endParaRPr lang="en-US" altLang="zh-CN" sz="800">
+            <a:endParaRPr lang="en-US" altLang="zh-CN" sz="800" b="1">
               <a:solidFill>
                 <a:srgbClr val="2C3E50"/>
               </a:solidFill>
@@ -5344,9 +5334,9 @@
             <a:avLst/>
           </a:prstGeom>
           <a:noFill/>
-          <a:ln>
+          <a:ln w="38100">
             <a:solidFill>
-              <a:srgbClr val="3EAF7C"/>
+              <a:srgbClr val="2C3E50"/>
             </a:solidFill>
           </a:ln>
           <a:extLst>
@@ -5424,9 +5414,9 @@
             <a:avLst/>
           </a:prstGeom>
           <a:noFill/>
-          <a:ln>
+          <a:ln w="38100">
             <a:solidFill>
-              <a:srgbClr val="3EAF7C"/>
+              <a:srgbClr val="2C3E50"/>
             </a:solidFill>
           </a:ln>
           <a:extLst>
@@ -5499,7 +5489,7 @@
           <p:nvPr/>
         </p:nvCxnSpPr>
         <p:spPr>
-          <a:xfrm flipH="1" flipV="1">
+          <a:xfrm flipH="true" flipV="true">
             <a:off x="5671185" y="2659380"/>
             <a:ext cx="9525" cy="224155"/>
           </a:xfrm>
@@ -5535,7 +5525,7 @@
           <p:nvPr/>
         </p:nvCxnSpPr>
         <p:spPr>
-          <a:xfrm flipH="1" flipV="1">
+          <a:xfrm flipH="true" flipV="true">
             <a:off x="7483475" y="2675255"/>
             <a:ext cx="635" cy="273685"/>
           </a:xfrm>
@@ -5571,7 +5561,7 @@
           <p:nvPr/>
         </p:nvCxnSpPr>
         <p:spPr>
-          <a:xfrm flipV="1">
+          <a:xfrm flipV="true">
             <a:off x="5567045" y="1465580"/>
             <a:ext cx="0" cy="878205"/>
           </a:xfrm>
@@ -5607,7 +5597,7 @@
           <p:nvPr/>
         </p:nvCxnSpPr>
         <p:spPr>
-          <a:xfrm flipV="1">
+          <a:xfrm flipV="true">
             <a:off x="7181215" y="1465580"/>
             <a:ext cx="0" cy="878205"/>
           </a:xfrm>
@@ -5646,7 +5636,7 @@
         </p:nvCxnSpPr>
         <p:spPr>
           <a:xfrm>
-            <a:off x="6000115" y="1465580"/>
+            <a:off x="6082030" y="1465580"/>
             <a:ext cx="2540" cy="288925"/>
           </a:xfrm>
           <a:prstGeom prst="straightConnector1">
@@ -5789,7 +5779,7 @@
           <p:nvPr/>
         </p:nvCxnSpPr>
         <p:spPr>
-          <a:xfrm flipH="1" flipV="1">
+          <a:xfrm flipH="true" flipV="true">
             <a:off x="5567045" y="1823085"/>
             <a:ext cx="205740" cy="4445"/>
           </a:xfrm>
@@ -5825,7 +5815,7 @@
           <p:nvPr/>
         </p:nvCxnSpPr>
         <p:spPr>
-          <a:xfrm flipH="1" flipV="1">
+          <a:xfrm flipH="true" flipV="true">
             <a:off x="7186295" y="1833880"/>
             <a:ext cx="190500" cy="4445"/>
           </a:xfrm>
@@ -5935,7 +5925,7 @@
           <p:nvPr/>
         </p:nvCxnSpPr>
         <p:spPr>
-          <a:xfrm flipH="1" flipV="1">
+          <a:xfrm flipH="true" flipV="true">
             <a:off x="6584950" y="3731260"/>
             <a:ext cx="9525" cy="347980"/>
           </a:xfrm>
@@ -5979,9 +5969,9 @@
             <a:avLst/>
           </a:prstGeom>
           <a:noFill/>
-          <a:ln>
+          <a:ln w="38100">
             <a:solidFill>
-              <a:srgbClr val="3EAF7C"/>
+              <a:srgbClr val="2C3E50"/>
             </a:solidFill>
           </a:ln>
           <a:extLst>
@@ -6078,9 +6068,9 @@
             <a:avLst/>
           </a:prstGeom>
           <a:noFill/>
-          <a:ln>
+          <a:ln w="38100">
             <a:solidFill>
-              <a:srgbClr val="3EAF7C"/>
+              <a:srgbClr val="2C3E50"/>
             </a:solidFill>
           </a:ln>
           <a:extLst>
@@ -6169,7 +6159,7 @@
           <p:nvPr/>
         </p:nvCxnSpPr>
         <p:spPr>
-          <a:xfrm flipV="1">
+          <a:xfrm flipV="true">
             <a:off x="5661660" y="3204210"/>
             <a:ext cx="0" cy="312420"/>
           </a:xfrm>
@@ -6205,7 +6195,7 @@
           <p:nvPr/>
         </p:nvCxnSpPr>
         <p:spPr>
-          <a:xfrm flipV="1">
+          <a:xfrm flipV="true">
             <a:off x="7483475" y="3247390"/>
             <a:ext cx="0" cy="312420"/>
           </a:xfrm>
@@ -6234,6 +6224,1110 @@
           </a:fontRef>
         </p:style>
       </p:cxnSp>
+    </p:spTree>
+  </p:cSld>
+  <p:clrMapOvr>
+    <a:masterClrMapping/>
+  </p:clrMapOvr>
+</p:sld>
+</file>
+
+<file path=ppt/slides/slide2.xml><?xml version="1.0" encoding="utf-8"?>
+<p:sld xmlns:a="http://schemas.openxmlformats.org/drawingml/2006/main" xmlns:r="http://schemas.openxmlformats.org/officeDocument/2006/relationships" xmlns:p="http://schemas.openxmlformats.org/presentationml/2006/main">
+  <p:cSld>
+    <p:spTree>
+      <p:nvGrpSpPr>
+        <p:cNvPr id="1" name=""/>
+        <p:cNvGrpSpPr/>
+        <p:nvPr/>
+      </p:nvGrpSpPr>
+      <p:grpSpPr/>
+      <p:sp>
+        <p:nvSpPr>
+          <p:cNvPr id="4" name="Round Single Corner Rectangle 3"/>
+          <p:cNvSpPr/>
+          <p:nvPr/>
+        </p:nvSpPr>
+        <p:spPr>
+          <a:xfrm>
+            <a:off x="2428240" y="2749550"/>
+            <a:ext cx="1052195" cy="412750"/>
+          </a:xfrm>
+          <a:prstGeom prst="round1Rect">
+            <a:avLst/>
+          </a:prstGeom>
+          <a:noFill/>
+          <a:ln w="38100">
+            <a:solidFill>
+              <a:srgbClr val="2C3E50"/>
+            </a:solidFill>
+          </a:ln>
+          <a:extLst>
+            <a:ext uri="{909E8E84-426E-40DD-AFC4-6F175D3DCCD1}">
+              <a14:hiddenFill xmlns:a14="http://schemas.microsoft.com/office/drawing/2010/main">
+                <a:solidFill>
+                  <a:schemeClr val="accent1"/>
+                </a:solidFill>
+              </a14:hiddenFill>
+            </a:ext>
+          </a:extLst>
+        </p:spPr>
+        <p:style>
+          <a:lnRef idx="2">
+            <a:schemeClr val="accent1">
+              <a:shade val="50000"/>
+            </a:schemeClr>
+          </a:lnRef>
+          <a:fillRef idx="1">
+            <a:schemeClr val="accent1"/>
+          </a:fillRef>
+          <a:effectRef idx="0">
+            <a:schemeClr val="accent1"/>
+          </a:effectRef>
+          <a:fontRef idx="minor">
+            <a:schemeClr val="lt1"/>
+          </a:fontRef>
+        </p:style>
+        <p:txBody>
+          <a:bodyPr rtlCol="0" anchor="ctr"/>
+          <a:p>
+            <a:pPr algn="ctr"/>
+            <a:r>
+              <a:rPr lang="zh-CN" altLang="en-US" sz="1600" b="1">
+                <a:solidFill>
+                  <a:srgbClr val="2C3E50"/>
+                </a:solidFill>
+              </a:rPr>
+              <a:t>内存屏障</a:t>
+            </a:r>
+            <a:endParaRPr lang="zh-CN" altLang="en-US" sz="1600" b="1">
+              <a:solidFill>
+                <a:srgbClr val="2C3E50"/>
+              </a:solidFill>
+            </a:endParaRPr>
+          </a:p>
+        </p:txBody>
+      </p:sp>
+      <p:sp>
+        <p:nvSpPr>
+          <p:cNvPr id="5" name="Round Single Corner Rectangle 4"/>
+          <p:cNvSpPr/>
+          <p:nvPr/>
+        </p:nvSpPr>
+        <p:spPr>
+          <a:xfrm>
+            <a:off x="4020820" y="2749550"/>
+            <a:ext cx="1052195" cy="412750"/>
+          </a:xfrm>
+          <a:prstGeom prst="round1Rect">
+            <a:avLst/>
+          </a:prstGeom>
+          <a:noFill/>
+          <a:ln w="38100">
+            <a:solidFill>
+              <a:srgbClr val="2C3E50"/>
+            </a:solidFill>
+          </a:ln>
+          <a:extLst>
+            <a:ext uri="{909E8E84-426E-40DD-AFC4-6F175D3DCCD1}">
+              <a14:hiddenFill xmlns:a14="http://schemas.microsoft.com/office/drawing/2010/main">
+                <a:solidFill>
+                  <a:schemeClr val="accent1"/>
+                </a:solidFill>
+              </a14:hiddenFill>
+            </a:ext>
+          </a:extLst>
+        </p:spPr>
+        <p:style>
+          <a:lnRef idx="2">
+            <a:schemeClr val="accent1">
+              <a:shade val="50000"/>
+            </a:schemeClr>
+          </a:lnRef>
+          <a:fillRef idx="1">
+            <a:schemeClr val="accent1"/>
+          </a:fillRef>
+          <a:effectRef idx="0">
+            <a:schemeClr val="accent1"/>
+          </a:effectRef>
+          <a:fontRef idx="minor">
+            <a:schemeClr val="lt1"/>
+          </a:fontRef>
+        </p:style>
+        <p:txBody>
+          <a:bodyPr rtlCol="0" anchor="ctr"/>
+          <a:p>
+            <a:pPr algn="ctr"/>
+            <a:r>
+              <a:rPr lang="zh-CN" altLang="en-US" sz="1600" b="1">
+                <a:solidFill>
+                  <a:srgbClr val="2C3E50"/>
+                </a:solidFill>
+              </a:rPr>
+              <a:t>原子操作</a:t>
+            </a:r>
+            <a:endParaRPr lang="zh-CN" altLang="en-US" sz="1600" b="1">
+              <a:solidFill>
+                <a:srgbClr val="2C3E50"/>
+              </a:solidFill>
+            </a:endParaRPr>
+          </a:p>
+        </p:txBody>
+      </p:sp>
+      <p:sp>
+        <p:nvSpPr>
+          <p:cNvPr id="6" name="Round Single Corner Rectangle 5"/>
+          <p:cNvSpPr/>
+          <p:nvPr/>
+        </p:nvSpPr>
+        <p:spPr>
+          <a:xfrm>
+            <a:off x="5565775" y="2749550"/>
+            <a:ext cx="1052195" cy="412750"/>
+          </a:xfrm>
+          <a:prstGeom prst="round1Rect">
+            <a:avLst/>
+          </a:prstGeom>
+          <a:noFill/>
+          <a:ln w="38100">
+            <a:solidFill>
+              <a:srgbClr val="2C3E50"/>
+            </a:solidFill>
+          </a:ln>
+          <a:extLst>
+            <a:ext uri="{909E8E84-426E-40DD-AFC4-6F175D3DCCD1}">
+              <a14:hiddenFill xmlns:a14="http://schemas.microsoft.com/office/drawing/2010/main">
+                <a:solidFill>
+                  <a:schemeClr val="accent1"/>
+                </a:solidFill>
+              </a14:hiddenFill>
+            </a:ext>
+          </a:extLst>
+        </p:spPr>
+        <p:style>
+          <a:lnRef idx="2">
+            <a:schemeClr val="accent1">
+              <a:shade val="50000"/>
+            </a:schemeClr>
+          </a:lnRef>
+          <a:fillRef idx="1">
+            <a:schemeClr val="accent1"/>
+          </a:fillRef>
+          <a:effectRef idx="0">
+            <a:schemeClr val="accent1"/>
+          </a:effectRef>
+          <a:fontRef idx="minor">
+            <a:schemeClr val="lt1"/>
+          </a:fontRef>
+        </p:style>
+        <p:txBody>
+          <a:bodyPr rtlCol="0" anchor="ctr"/>
+          <a:p>
+            <a:pPr algn="ctr"/>
+            <a:r>
+              <a:rPr lang="" altLang="zh-CN" sz="1600" b="1">
+                <a:solidFill>
+                  <a:srgbClr val="2C3E50"/>
+                </a:solidFill>
+              </a:rPr>
+              <a:t>...</a:t>
+            </a:r>
+            <a:endParaRPr lang="" altLang="zh-CN" sz="1600" b="1">
+              <a:solidFill>
+                <a:srgbClr val="2C3E50"/>
+              </a:solidFill>
+            </a:endParaRPr>
+          </a:p>
+        </p:txBody>
+      </p:sp>
+      <p:sp>
+        <p:nvSpPr>
+          <p:cNvPr id="7" name="Rounded Rectangle 6"/>
+          <p:cNvSpPr/>
+          <p:nvPr/>
+        </p:nvSpPr>
+        <p:spPr>
+          <a:xfrm>
+            <a:off x="4693285" y="4781550"/>
+            <a:ext cx="1398905" cy="1186815"/>
+          </a:xfrm>
+          <a:prstGeom prst="roundRect">
+            <a:avLst/>
+          </a:prstGeom>
+          <a:noFill/>
+          <a:ln w="38100">
+            <a:solidFill>
+              <a:srgbClr val="2C3E50"/>
+            </a:solidFill>
+          </a:ln>
+          <a:extLst>
+            <a:ext uri="{909E8E84-426E-40DD-AFC4-6F175D3DCCD1}">
+              <a14:hiddenFill xmlns:a14="http://schemas.microsoft.com/office/drawing/2010/main">
+                <a:solidFill>
+                  <a:schemeClr val="accent1"/>
+                </a:solidFill>
+              </a14:hiddenFill>
+            </a:ext>
+          </a:extLst>
+        </p:spPr>
+        <p:style>
+          <a:lnRef idx="2">
+            <a:schemeClr val="accent1">
+              <a:shade val="50000"/>
+            </a:schemeClr>
+          </a:lnRef>
+          <a:fillRef idx="1">
+            <a:schemeClr val="accent1"/>
+          </a:fillRef>
+          <a:effectRef idx="0">
+            <a:schemeClr val="accent1"/>
+          </a:effectRef>
+          <a:fontRef idx="minor">
+            <a:schemeClr val="lt1"/>
+          </a:fontRef>
+        </p:style>
+        <p:txBody>
+          <a:bodyPr rtlCol="0" anchor="ctr"/>
+          <a:p>
+            <a:pPr algn="ctr"/>
+            <a:r>
+              <a:rPr lang="" altLang="en-US" sz="2400" b="1">
+                <a:solidFill>
+                  <a:srgbClr val="2C3E50"/>
+                </a:solidFill>
+              </a:rPr>
+              <a:t>CPU</a:t>
+            </a:r>
+            <a:endParaRPr lang="" altLang="en-US" sz="2400" b="1">
+              <a:solidFill>
+                <a:srgbClr val="2C3E50"/>
+              </a:solidFill>
+            </a:endParaRPr>
+          </a:p>
+        </p:txBody>
+      </p:sp>
+      <p:sp>
+        <p:nvSpPr>
+          <p:cNvPr id="9" name="Rectangle 8"/>
+          <p:cNvSpPr/>
+          <p:nvPr/>
+        </p:nvSpPr>
+        <p:spPr>
+          <a:xfrm>
+            <a:off x="2255520" y="4000500"/>
+            <a:ext cx="6275070" cy="288290"/>
+          </a:xfrm>
+          <a:prstGeom prst="rect">
+            <a:avLst/>
+          </a:prstGeom>
+          <a:noFill/>
+          <a:ln w="38100">
+            <a:solidFill>
+              <a:srgbClr val="2C3E50"/>
+            </a:solidFill>
+          </a:ln>
+          <a:extLst>
+            <a:ext uri="{909E8E84-426E-40DD-AFC4-6F175D3DCCD1}">
+              <a14:hiddenFill xmlns:a14="http://schemas.microsoft.com/office/drawing/2010/main">
+                <a:solidFill>
+                  <a:schemeClr val="accent1"/>
+                </a:solidFill>
+              </a14:hiddenFill>
+            </a:ext>
+          </a:extLst>
+        </p:spPr>
+        <p:style>
+          <a:lnRef idx="2">
+            <a:schemeClr val="accent1">
+              <a:shade val="50000"/>
+            </a:schemeClr>
+          </a:lnRef>
+          <a:fillRef idx="1">
+            <a:schemeClr val="accent1"/>
+          </a:fillRef>
+          <a:effectRef idx="0">
+            <a:schemeClr val="accent1"/>
+          </a:effectRef>
+          <a:fontRef idx="minor">
+            <a:schemeClr val="lt1"/>
+          </a:fontRef>
+        </p:style>
+        <p:txBody>
+          <a:bodyPr rtlCol="0" anchor="ctr"/>
+          <a:p>
+            <a:pPr algn="ctr"/>
+            <a:r>
+              <a:rPr lang="zh-CN" altLang="" sz="1400" b="1">
+                <a:solidFill>
+                  <a:srgbClr val="2C3E50"/>
+                </a:solidFill>
+              </a:rPr>
+              <a:t>汇编指令集</a:t>
+            </a:r>
+            <a:endParaRPr lang="zh-CN" altLang="" sz="1400" b="1">
+              <a:solidFill>
+                <a:srgbClr val="2C3E50"/>
+              </a:solidFill>
+            </a:endParaRPr>
+          </a:p>
+        </p:txBody>
+      </p:sp>
+      <p:sp>
+        <p:nvSpPr>
+          <p:cNvPr id="13" name="Rectangle 12"/>
+          <p:cNvSpPr/>
+          <p:nvPr/>
+        </p:nvSpPr>
+        <p:spPr>
+          <a:xfrm>
+            <a:off x="2233930" y="1930400"/>
+            <a:ext cx="2973070" cy="1773555"/>
+          </a:xfrm>
+          <a:prstGeom prst="rect">
+            <a:avLst/>
+          </a:prstGeom>
+          <a:noFill/>
+          <a:ln w="38100">
+            <a:solidFill>
+              <a:srgbClr val="3EAF7C"/>
+            </a:solidFill>
+            <a:prstDash val="sysDash"/>
+          </a:ln>
+          <a:extLst>
+            <a:ext uri="{909E8E84-426E-40DD-AFC4-6F175D3DCCD1}">
+              <a14:hiddenFill xmlns:a14="http://schemas.microsoft.com/office/drawing/2010/main">
+                <a:solidFill>
+                  <a:schemeClr val="accent1"/>
+                </a:solidFill>
+              </a14:hiddenFill>
+            </a:ext>
+          </a:extLst>
+        </p:spPr>
+        <p:style>
+          <a:lnRef idx="2">
+            <a:schemeClr val="accent1">
+              <a:shade val="50000"/>
+            </a:schemeClr>
+          </a:lnRef>
+          <a:fillRef idx="1">
+            <a:schemeClr val="accent1"/>
+          </a:fillRef>
+          <a:effectRef idx="0">
+            <a:schemeClr val="accent1"/>
+          </a:effectRef>
+          <a:fontRef idx="minor">
+            <a:schemeClr val="lt1"/>
+          </a:fontRef>
+        </p:style>
+        <p:txBody>
+          <a:bodyPr rtlCol="0" anchor="ctr"/>
+          <a:p>
+            <a:pPr algn="ctr"/>
+            <a:endParaRPr lang="en-US" b="1">
+              <a:solidFill>
+                <a:srgbClr val="2C3E50"/>
+              </a:solidFill>
+            </a:endParaRPr>
+          </a:p>
+        </p:txBody>
+      </p:sp>
+      <p:sp>
+        <p:nvSpPr>
+          <p:cNvPr id="14" name="Rectangle 13"/>
+          <p:cNvSpPr/>
+          <p:nvPr/>
+        </p:nvSpPr>
+        <p:spPr>
+          <a:xfrm>
+            <a:off x="3867785" y="1631315"/>
+            <a:ext cx="2908935" cy="1838960"/>
+          </a:xfrm>
+          <a:prstGeom prst="rect">
+            <a:avLst/>
+          </a:prstGeom>
+          <a:noFill/>
+          <a:ln w="38100">
+            <a:solidFill>
+              <a:srgbClr val="3EAF7C"/>
+            </a:solidFill>
+            <a:prstDash val="sysDash"/>
+          </a:ln>
+          <a:extLst>
+            <a:ext uri="{909E8E84-426E-40DD-AFC4-6F175D3DCCD1}">
+              <a14:hiddenFill xmlns:a14="http://schemas.microsoft.com/office/drawing/2010/main">
+                <a:solidFill>
+                  <a:schemeClr val="accent1"/>
+                </a:solidFill>
+              </a14:hiddenFill>
+            </a:ext>
+          </a:extLst>
+        </p:spPr>
+        <p:style>
+          <a:lnRef idx="2">
+            <a:schemeClr val="accent1">
+              <a:shade val="50000"/>
+            </a:schemeClr>
+          </a:lnRef>
+          <a:fillRef idx="1">
+            <a:schemeClr val="accent1"/>
+          </a:fillRef>
+          <a:effectRef idx="0">
+            <a:schemeClr val="accent1"/>
+          </a:effectRef>
+          <a:fontRef idx="minor">
+            <a:schemeClr val="lt1"/>
+          </a:fontRef>
+        </p:style>
+        <p:txBody>
+          <a:bodyPr rtlCol="0" anchor="ctr"/>
+          <a:p>
+            <a:pPr algn="ctr"/>
+            <a:endParaRPr lang="en-US" b="1">
+              <a:solidFill>
+                <a:srgbClr val="2C3E50"/>
+              </a:solidFill>
+            </a:endParaRPr>
+          </a:p>
+        </p:txBody>
+      </p:sp>
+      <p:cxnSp>
+        <p:nvCxnSpPr>
+          <p:cNvPr id="15" name="Straight Arrow Connector 14"/>
+          <p:cNvCxnSpPr>
+            <a:stCxn id="4" idx="2"/>
+          </p:cNvCxnSpPr>
+          <p:nvPr/>
+        </p:nvCxnSpPr>
+        <p:spPr>
+          <a:xfrm flipH="true">
+            <a:off x="2950210" y="3162300"/>
+            <a:ext cx="4445" cy="862330"/>
+          </a:xfrm>
+          <a:prstGeom prst="straightConnector1">
+            <a:avLst/>
+          </a:prstGeom>
+          <a:ln w="38100">
+            <a:solidFill>
+              <a:srgbClr val="3EAF7C"/>
+            </a:solidFill>
+            <a:headEnd type="arrow"/>
+            <a:tailEnd type="arrow"/>
+          </a:ln>
+        </p:spPr>
+        <p:style>
+          <a:lnRef idx="1">
+            <a:schemeClr val="accent1"/>
+          </a:lnRef>
+          <a:fillRef idx="0">
+            <a:schemeClr val="accent1"/>
+          </a:fillRef>
+          <a:effectRef idx="0">
+            <a:schemeClr val="accent1"/>
+          </a:effectRef>
+          <a:fontRef idx="minor">
+            <a:schemeClr val="tx1"/>
+          </a:fontRef>
+        </p:style>
+      </p:cxnSp>
+      <p:cxnSp>
+        <p:nvCxnSpPr>
+          <p:cNvPr id="18" name="Straight Arrow Connector 17"/>
+          <p:cNvCxnSpPr/>
+          <p:nvPr/>
+        </p:nvCxnSpPr>
+        <p:spPr>
+          <a:xfrm>
+            <a:off x="4545965" y="3162300"/>
+            <a:ext cx="20320" cy="838835"/>
+          </a:xfrm>
+          <a:prstGeom prst="straightConnector1">
+            <a:avLst/>
+          </a:prstGeom>
+          <a:ln w="38100">
+            <a:solidFill>
+              <a:srgbClr val="3EAF7C"/>
+            </a:solidFill>
+            <a:headEnd type="arrow"/>
+            <a:tailEnd type="arrow"/>
+          </a:ln>
+        </p:spPr>
+        <p:style>
+          <a:lnRef idx="1">
+            <a:schemeClr val="accent1"/>
+          </a:lnRef>
+          <a:fillRef idx="0">
+            <a:schemeClr val="accent1"/>
+          </a:fillRef>
+          <a:effectRef idx="0">
+            <a:schemeClr val="accent1"/>
+          </a:effectRef>
+          <a:fontRef idx="minor">
+            <a:schemeClr val="tx1"/>
+          </a:fontRef>
+        </p:style>
+      </p:cxnSp>
+      <p:cxnSp>
+        <p:nvCxnSpPr>
+          <p:cNvPr id="19" name="Straight Arrow Connector 18"/>
+          <p:cNvCxnSpPr/>
+          <p:nvPr/>
+        </p:nvCxnSpPr>
+        <p:spPr>
+          <a:xfrm>
+            <a:off x="6090920" y="3162300"/>
+            <a:ext cx="20955" cy="833120"/>
+          </a:xfrm>
+          <a:prstGeom prst="straightConnector1">
+            <a:avLst/>
+          </a:prstGeom>
+          <a:ln w="38100">
+            <a:solidFill>
+              <a:srgbClr val="3EAF7C"/>
+            </a:solidFill>
+            <a:headEnd type="arrow"/>
+            <a:tailEnd type="arrow"/>
+          </a:ln>
+        </p:spPr>
+        <p:style>
+          <a:lnRef idx="1">
+            <a:schemeClr val="accent1"/>
+          </a:lnRef>
+          <a:fillRef idx="0">
+            <a:schemeClr val="accent1"/>
+          </a:fillRef>
+          <a:effectRef idx="0">
+            <a:schemeClr val="accent1"/>
+          </a:effectRef>
+          <a:fontRef idx="minor">
+            <a:schemeClr val="tx1"/>
+          </a:fontRef>
+        </p:style>
+      </p:cxnSp>
+      <p:cxnSp>
+        <p:nvCxnSpPr>
+          <p:cNvPr id="20" name="Straight Arrow Connector 19"/>
+          <p:cNvCxnSpPr>
+            <a:stCxn id="9" idx="2"/>
+            <a:endCxn id="7" idx="0"/>
+          </p:cNvCxnSpPr>
+          <p:nvPr/>
+        </p:nvCxnSpPr>
+        <p:spPr>
+          <a:xfrm>
+            <a:off x="5393055" y="4288790"/>
+            <a:ext cx="0" cy="492760"/>
+          </a:xfrm>
+          <a:prstGeom prst="straightConnector1">
+            <a:avLst/>
+          </a:prstGeom>
+          <a:ln w="38100">
+            <a:solidFill>
+              <a:srgbClr val="3EAF7C"/>
+            </a:solidFill>
+            <a:headEnd type="arrow"/>
+            <a:tailEnd type="arrow"/>
+          </a:ln>
+        </p:spPr>
+        <p:style>
+          <a:lnRef idx="1">
+            <a:schemeClr val="accent1"/>
+          </a:lnRef>
+          <a:fillRef idx="0">
+            <a:schemeClr val="accent1"/>
+          </a:fillRef>
+          <a:effectRef idx="0">
+            <a:schemeClr val="accent1"/>
+          </a:effectRef>
+          <a:fontRef idx="minor">
+            <a:schemeClr val="tx1"/>
+          </a:fontRef>
+        </p:style>
+      </p:cxnSp>
+      <p:sp>
+        <p:nvSpPr>
+          <p:cNvPr id="21" name="Text Box 20"/>
+          <p:cNvSpPr txBox="true"/>
+          <p:nvPr/>
+        </p:nvSpPr>
+        <p:spPr>
+          <a:xfrm>
+            <a:off x="2321560" y="2032635"/>
+            <a:ext cx="589915" cy="368300"/>
+          </a:xfrm>
+          <a:prstGeom prst="rect">
+            <a:avLst/>
+          </a:prstGeom>
+          <a:noFill/>
+        </p:spPr>
+        <p:txBody>
+          <a:bodyPr wrap="none" rtlCol="0">
+            <a:spAutoFit/>
+          </a:bodyPr>
+          <a:p>
+            <a:r>
+              <a:rPr lang="zh-CN" altLang="" b="1">
+                <a:solidFill>
+                  <a:srgbClr val="2C3E50"/>
+                </a:solidFill>
+              </a:rPr>
+              <a:t>锁</a:t>
+            </a:r>
+            <a:r>
+              <a:rPr lang="en-US" altLang="zh-CN" b="1">
+                <a:solidFill>
+                  <a:srgbClr val="2C3E50"/>
+                </a:solidFill>
+              </a:rPr>
+              <a:t>A</a:t>
+            </a:r>
+            <a:endParaRPr lang="en-US" altLang="zh-CN" b="1">
+              <a:solidFill>
+                <a:srgbClr val="2C3E50"/>
+              </a:solidFill>
+            </a:endParaRPr>
+          </a:p>
+        </p:txBody>
+      </p:sp>
+      <p:sp>
+        <p:nvSpPr>
+          <p:cNvPr id="22" name="Text Box 21"/>
+          <p:cNvSpPr txBox="true"/>
+          <p:nvPr/>
+        </p:nvSpPr>
+        <p:spPr>
+          <a:xfrm>
+            <a:off x="6088380" y="1750060"/>
+            <a:ext cx="586740" cy="368300"/>
+          </a:xfrm>
+          <a:prstGeom prst="rect">
+            <a:avLst/>
+          </a:prstGeom>
+          <a:noFill/>
+        </p:spPr>
+        <p:txBody>
+          <a:bodyPr wrap="none" rtlCol="0">
+            <a:spAutoFit/>
+          </a:bodyPr>
+          <a:p>
+            <a:r>
+              <a:rPr lang="zh-CN" altLang="en-US" b="1">
+                <a:solidFill>
+                  <a:srgbClr val="2C3E50"/>
+                </a:solidFill>
+              </a:rPr>
+              <a:t>锁</a:t>
+            </a:r>
+            <a:r>
+              <a:rPr lang="en-US" altLang="zh-CN" b="1">
+                <a:solidFill>
+                  <a:srgbClr val="2C3E50"/>
+                </a:solidFill>
+              </a:rPr>
+              <a:t>B</a:t>
+            </a:r>
+            <a:endParaRPr lang="en-US" altLang="zh-CN" b="1">
+              <a:solidFill>
+                <a:srgbClr val="2C3E50"/>
+              </a:solidFill>
+            </a:endParaRPr>
+          </a:p>
+        </p:txBody>
+      </p:sp>
+      <p:sp>
+        <p:nvSpPr>
+          <p:cNvPr id="23" name="Rectangle 22"/>
+          <p:cNvSpPr/>
+          <p:nvPr/>
+        </p:nvSpPr>
+        <p:spPr>
+          <a:xfrm>
+            <a:off x="7051040" y="1631315"/>
+            <a:ext cx="1458595" cy="1663065"/>
+          </a:xfrm>
+          <a:prstGeom prst="rect">
+            <a:avLst/>
+          </a:prstGeom>
+          <a:noFill/>
+          <a:ln w="38100">
+            <a:solidFill>
+              <a:srgbClr val="3EAF7C"/>
+            </a:solidFill>
+            <a:prstDash val="sysDash"/>
+          </a:ln>
+          <a:extLst>
+            <a:ext uri="{909E8E84-426E-40DD-AFC4-6F175D3DCCD1}">
+              <a14:hiddenFill xmlns:a14="http://schemas.microsoft.com/office/drawing/2010/main">
+                <a:solidFill>
+                  <a:schemeClr val="accent1"/>
+                </a:solidFill>
+              </a14:hiddenFill>
+            </a:ext>
+          </a:extLst>
+        </p:spPr>
+        <p:style>
+          <a:lnRef idx="2">
+            <a:schemeClr val="accent1">
+              <a:shade val="50000"/>
+            </a:schemeClr>
+          </a:lnRef>
+          <a:fillRef idx="1">
+            <a:schemeClr val="accent1"/>
+          </a:fillRef>
+          <a:effectRef idx="0">
+            <a:schemeClr val="accent1"/>
+          </a:effectRef>
+          <a:fontRef idx="minor">
+            <a:schemeClr val="lt1"/>
+          </a:fontRef>
+        </p:style>
+        <p:txBody>
+          <a:bodyPr rtlCol="0" anchor="ctr"/>
+          <a:p>
+            <a:pPr algn="ctr"/>
+            <a:endParaRPr lang="en-US" b="1">
+              <a:solidFill>
+                <a:srgbClr val="2C3E50"/>
+              </a:solidFill>
+            </a:endParaRPr>
+          </a:p>
+        </p:txBody>
+      </p:sp>
+      <p:sp>
+        <p:nvSpPr>
+          <p:cNvPr id="24" name="Text Box 23"/>
+          <p:cNvSpPr txBox="true"/>
+          <p:nvPr/>
+        </p:nvSpPr>
+        <p:spPr>
+          <a:xfrm>
+            <a:off x="7802880" y="1809750"/>
+            <a:ext cx="580390" cy="368300"/>
+          </a:xfrm>
+          <a:prstGeom prst="rect">
+            <a:avLst/>
+          </a:prstGeom>
+          <a:noFill/>
+        </p:spPr>
+        <p:txBody>
+          <a:bodyPr wrap="none" rtlCol="0">
+            <a:spAutoFit/>
+          </a:bodyPr>
+          <a:p>
+            <a:r>
+              <a:rPr lang="zh-CN" altLang="en-US" b="1">
+                <a:solidFill>
+                  <a:srgbClr val="2C3E50"/>
+                </a:solidFill>
+              </a:rPr>
+              <a:t>锁</a:t>
+            </a:r>
+            <a:r>
+              <a:rPr lang="en-US" altLang="zh-CN" b="1">
+                <a:solidFill>
+                  <a:srgbClr val="2C3E50"/>
+                </a:solidFill>
+              </a:rPr>
+              <a:t>C</a:t>
+            </a:r>
+            <a:endParaRPr lang="en-US" altLang="zh-CN" b="1">
+              <a:solidFill>
+                <a:srgbClr val="2C3E50"/>
+              </a:solidFill>
+            </a:endParaRPr>
+          </a:p>
+        </p:txBody>
+      </p:sp>
+      <p:cxnSp>
+        <p:nvCxnSpPr>
+          <p:cNvPr id="25" name="Straight Arrow Connector 24"/>
+          <p:cNvCxnSpPr/>
+          <p:nvPr/>
+        </p:nvCxnSpPr>
+        <p:spPr>
+          <a:xfrm>
+            <a:off x="7816215" y="3289935"/>
+            <a:ext cx="0" cy="693420"/>
+          </a:xfrm>
+          <a:prstGeom prst="straightConnector1">
+            <a:avLst/>
+          </a:prstGeom>
+          <a:ln w="38100">
+            <a:solidFill>
+              <a:srgbClr val="3EAF7C"/>
+            </a:solidFill>
+            <a:headEnd type="arrow"/>
+            <a:tailEnd type="arrow"/>
+          </a:ln>
+        </p:spPr>
+        <p:style>
+          <a:lnRef idx="1">
+            <a:schemeClr val="accent1"/>
+          </a:lnRef>
+          <a:fillRef idx="0">
+            <a:schemeClr val="accent1"/>
+          </a:fillRef>
+          <a:effectRef idx="0">
+            <a:schemeClr val="accent1"/>
+          </a:effectRef>
+          <a:fontRef idx="minor">
+            <a:schemeClr val="tx1"/>
+          </a:fontRef>
+        </p:style>
+      </p:cxnSp>
+      <p:grpSp>
+        <p:nvGrpSpPr>
+          <p:cNvPr id="28" name="Group 27"/>
+          <p:cNvGrpSpPr/>
+          <p:nvPr/>
+        </p:nvGrpSpPr>
+        <p:grpSpPr>
+          <a:xfrm>
+            <a:off x="5478145" y="1080770"/>
+            <a:ext cx="3302635" cy="2623185"/>
+            <a:chOff x="3167" y="2109"/>
+            <a:chExt cx="5201" cy="3868"/>
+          </a:xfrm>
+        </p:grpSpPr>
+        <p:sp>
+          <p:nvSpPr>
+            <p:cNvPr id="26" name="Rectangle 25"/>
+            <p:cNvSpPr/>
+            <p:nvPr/>
+          </p:nvSpPr>
+          <p:spPr>
+            <a:xfrm>
+              <a:off x="3167" y="2109"/>
+              <a:ext cx="5201" cy="3868"/>
+            </a:xfrm>
+            <a:prstGeom prst="rect">
+              <a:avLst/>
+            </a:prstGeom>
+            <a:noFill/>
+            <a:ln w="38100">
+              <a:solidFill>
+                <a:srgbClr val="2C3E50"/>
+              </a:solidFill>
+              <a:prstDash val="sysDash"/>
+            </a:ln>
+            <a:extLst>
+              <a:ext uri="{909E8E84-426E-40DD-AFC4-6F175D3DCCD1}">
+                <a14:hiddenFill xmlns:a14="http://schemas.microsoft.com/office/drawing/2010/main">
+                  <a:solidFill>
+                    <a:schemeClr val="accent1"/>
+                  </a:solidFill>
+                </a14:hiddenFill>
+              </a:ext>
+            </a:extLst>
+          </p:spPr>
+          <p:style>
+            <a:lnRef idx="2">
+              <a:schemeClr val="accent1">
+                <a:shade val="50000"/>
+              </a:schemeClr>
+            </a:lnRef>
+            <a:fillRef idx="1">
+              <a:schemeClr val="accent1"/>
+            </a:fillRef>
+            <a:effectRef idx="0">
+              <a:schemeClr val="accent1"/>
+            </a:effectRef>
+            <a:fontRef idx="minor">
+              <a:schemeClr val="lt1"/>
+            </a:fontRef>
+          </p:style>
+          <p:txBody>
+            <a:bodyPr rtlCol="0" anchor="ctr"/>
+            <a:p>
+              <a:pPr algn="ctr"/>
+              <a:endParaRPr lang="en-US" b="1">
+                <a:solidFill>
+                  <a:srgbClr val="2C3E50"/>
+                </a:solidFill>
+              </a:endParaRPr>
+            </a:p>
+          </p:txBody>
+        </p:sp>
+        <p:sp>
+          <p:nvSpPr>
+            <p:cNvPr id="27" name="Text Box 26"/>
+            <p:cNvSpPr txBox="true"/>
+            <p:nvPr/>
+          </p:nvSpPr>
+          <p:spPr>
+            <a:xfrm>
+              <a:off x="3347" y="2270"/>
+              <a:ext cx="949" cy="543"/>
+            </a:xfrm>
+            <a:prstGeom prst="rect">
+              <a:avLst/>
+            </a:prstGeom>
+            <a:noFill/>
+          </p:spPr>
+          <p:txBody>
+            <a:bodyPr wrap="square" rtlCol="0">
+              <a:spAutoFit/>
+            </a:bodyPr>
+            <a:p>
+              <a:r>
+                <a:rPr lang="zh-CN" altLang="en-US" b="1">
+                  <a:solidFill>
+                    <a:srgbClr val="2C3E50"/>
+                  </a:solidFill>
+                </a:rPr>
+                <a:t>锁</a:t>
+              </a:r>
+              <a:r>
+                <a:rPr lang="en-US" altLang="zh-CN" b="1">
+                  <a:solidFill>
+                    <a:srgbClr val="2C3E50"/>
+                  </a:solidFill>
+                </a:rPr>
+                <a:t>D</a:t>
+              </a:r>
+              <a:endParaRPr lang="en-US" altLang="zh-CN" b="1">
+                <a:solidFill>
+                  <a:srgbClr val="2C3E50"/>
+                </a:solidFill>
+              </a:endParaRPr>
+            </a:p>
+          </p:txBody>
+        </p:sp>
+      </p:grpSp>
+    </p:spTree>
+  </p:cSld>
+  <p:clrMapOvr>
+    <a:masterClrMapping/>
+  </p:clrMapOvr>
+</p:sld>
+</file>
+
+<file path=ppt/slides/slide3.xml><?xml version="1.0" encoding="utf-8"?>
+<p:sld xmlns:a="http://schemas.openxmlformats.org/drawingml/2006/main" xmlns:r="http://schemas.openxmlformats.org/officeDocument/2006/relationships" xmlns:p="http://schemas.openxmlformats.org/presentationml/2006/main">
+  <p:cSld>
+    <p:spTree>
+      <p:nvGrpSpPr>
+        <p:cNvPr id="1" name=""/>
+        <p:cNvGrpSpPr/>
+        <p:nvPr/>
+      </p:nvGrpSpPr>
+      <p:grpSpPr/>
+      <p:sp>
+        <p:nvSpPr>
+          <p:cNvPr id="3" name="Round Single Corner Rectangle 2"/>
+          <p:cNvSpPr/>
+          <p:nvPr/>
+        </p:nvSpPr>
+        <p:spPr>
+          <a:xfrm>
+            <a:off x="1466215" y="332105"/>
+            <a:ext cx="1386840" cy="669925"/>
+          </a:xfrm>
+          <a:prstGeom prst="round1Rect">
+            <a:avLst/>
+          </a:prstGeom>
+          <a:noFill/>
+          <a:ln w="38100">
+            <a:solidFill>
+              <a:srgbClr val="2C3E50"/>
+            </a:solidFill>
+          </a:ln>
+          <a:extLst>
+            <a:ext uri="{909E8E84-426E-40DD-AFC4-6F175D3DCCD1}">
+              <a14:hiddenFill xmlns:a14="http://schemas.microsoft.com/office/drawing/2010/main">
+                <a:solidFill>
+                  <a:schemeClr val="accent1"/>
+                </a:solidFill>
+              </a14:hiddenFill>
+            </a:ext>
+          </a:extLst>
+        </p:spPr>
+        <p:style>
+          <a:lnRef idx="2">
+            <a:schemeClr val="accent1">
+              <a:shade val="50000"/>
+            </a:schemeClr>
+          </a:lnRef>
+          <a:fillRef idx="1">
+            <a:schemeClr val="accent1"/>
+          </a:fillRef>
+          <a:effectRef idx="0">
+            <a:schemeClr val="accent1"/>
+          </a:effectRef>
+          <a:fontRef idx="minor">
+            <a:schemeClr val="lt1"/>
+          </a:fontRef>
+        </p:style>
+        <p:txBody>
+          <a:bodyPr rtlCol="0" anchor="ctr"/>
+          <a:p>
+            <a:pPr algn="ctr"/>
+            <a:endParaRPr lang="en-US" sz="1600" b="1">
+              <a:solidFill>
+                <a:srgbClr val="2C3E50"/>
+              </a:solidFill>
+            </a:endParaRPr>
+          </a:p>
+        </p:txBody>
+      </p:sp>
+      <p:sp>
+        <p:nvSpPr>
+          <p:cNvPr id="8" name="Rectangle 7"/>
+          <p:cNvSpPr/>
+          <p:nvPr/>
+        </p:nvSpPr>
+        <p:spPr>
+          <a:xfrm>
+            <a:off x="3170555" y="464185"/>
+            <a:ext cx="1639570" cy="405130"/>
+          </a:xfrm>
+          <a:prstGeom prst="rect">
+            <a:avLst/>
+          </a:prstGeom>
+          <a:noFill/>
+          <a:ln w="38100">
+            <a:solidFill>
+              <a:srgbClr val="2C3E50"/>
+            </a:solidFill>
+            <a:prstDash val="sysDash"/>
+          </a:ln>
+          <a:extLst>
+            <a:ext uri="{909E8E84-426E-40DD-AFC4-6F175D3DCCD1}">
+              <a14:hiddenFill xmlns:a14="http://schemas.microsoft.com/office/drawing/2010/main">
+                <a:solidFill>
+                  <a:schemeClr val="accent1"/>
+                </a:solidFill>
+              </a14:hiddenFill>
+            </a:ext>
+          </a:extLst>
+        </p:spPr>
+        <p:style>
+          <a:lnRef idx="2">
+            <a:schemeClr val="accent1">
+              <a:shade val="50000"/>
+            </a:schemeClr>
+          </a:lnRef>
+          <a:fillRef idx="1">
+            <a:schemeClr val="accent1"/>
+          </a:fillRef>
+          <a:effectRef idx="0">
+            <a:schemeClr val="accent1"/>
+          </a:effectRef>
+          <a:fontRef idx="minor">
+            <a:schemeClr val="lt1"/>
+          </a:fontRef>
+        </p:style>
+        <p:txBody>
+          <a:bodyPr rtlCol="0" anchor="ctr"/>
+          <a:p>
+            <a:pPr algn="ctr"/>
+            <a:endParaRPr lang="en-US" b="1">
+              <a:solidFill>
+                <a:srgbClr val="2C3E50"/>
+              </a:solidFill>
+            </a:endParaRPr>
+          </a:p>
+        </p:txBody>
+      </p:sp>
     </p:spTree>
   </p:cSld>
   <p:clrMapOvr>
@@ -6360,7 +7454,7 @@
         <a:solidFill>
           <a:schemeClr val="phClr"/>
         </a:solidFill>
-        <a:gradFill rotWithShape="1">
+        <a:gradFill rotWithShape="true">
           <a:gsLst>
             <a:gs pos="0">
               <a:schemeClr val="phClr">
@@ -6384,9 +7478,9 @@
               </a:schemeClr>
             </a:gs>
           </a:gsLst>
-          <a:lin ang="5400000" scaled="0"/>
+          <a:lin ang="5400000" scaled="false"/>
         </a:gradFill>
-        <a:gradFill rotWithShape="1">
+        <a:gradFill rotWithShape="true">
           <a:gsLst>
             <a:gs pos="0">
               <a:schemeClr val="phClr">
@@ -6410,7 +7504,7 @@
               </a:schemeClr>
             </a:gs>
           </a:gsLst>
-          <a:lin ang="5400000" scaled="0"/>
+          <a:lin ang="5400000" scaled="false"/>
         </a:gradFill>
       </a:fillStyleLst>
       <a:lnStyleLst>
@@ -6463,7 +7557,7 @@
             <a:satMod val="170000"/>
           </a:schemeClr>
         </a:solidFill>
-        <a:gradFill rotWithShape="1">
+        <a:gradFill rotWithShape="true">
           <a:gsLst>
             <a:gs pos="0">
               <a:schemeClr val="phClr">
@@ -6488,7 +7582,7 @@
               </a:schemeClr>
             </a:gs>
           </a:gsLst>
-          <a:lin ang="5400000" scaled="0"/>
+          <a:lin ang="5400000" scaled="false"/>
         </a:gradFill>
       </a:bgFillStyleLst>
     </a:fmtScheme>
@@ -6619,7 +7713,7 @@
         <a:solidFill>
           <a:schemeClr val="phClr"/>
         </a:solidFill>
-        <a:gradFill rotWithShape="1">
+        <a:gradFill rotWithShape="true">
           <a:gsLst>
             <a:gs pos="0">
               <a:schemeClr val="phClr">
@@ -6643,9 +7737,9 @@
               </a:schemeClr>
             </a:gs>
           </a:gsLst>
-          <a:lin ang="5400000" scaled="0"/>
+          <a:lin ang="5400000" scaled="false"/>
         </a:gradFill>
-        <a:gradFill rotWithShape="1">
+        <a:gradFill rotWithShape="true">
           <a:gsLst>
             <a:gs pos="0">
               <a:schemeClr val="phClr">
@@ -6669,7 +7763,7 @@
               </a:schemeClr>
             </a:gs>
           </a:gsLst>
-          <a:lin ang="5400000" scaled="0"/>
+          <a:lin ang="5400000" scaled="false"/>
         </a:gradFill>
       </a:fillStyleLst>
       <a:lnStyleLst>
@@ -6722,7 +7816,7 @@
             <a:satMod val="170000"/>
           </a:schemeClr>
         </a:solidFill>
-        <a:gradFill rotWithShape="1">
+        <a:gradFill rotWithShape="true">
           <a:gsLst>
             <a:gs pos="0">
               <a:schemeClr val="phClr">
@@ -6747,7 +7841,7 @@
               </a:schemeClr>
             </a:gs>
           </a:gsLst>
-          <a:lin ang="5400000" scaled="0"/>
+          <a:lin ang="5400000" scaled="false"/>
         </a:gradFill>
       </a:bgFillStyleLst>
     </a:fmtScheme>
@@ -6878,7 +7972,7 @@
         <a:solidFill>
           <a:schemeClr val="phClr"/>
         </a:solidFill>
-        <a:gradFill rotWithShape="1">
+        <a:gradFill rotWithShape="true">
           <a:gsLst>
             <a:gs pos="0">
               <a:schemeClr val="phClr">
@@ -6902,9 +7996,9 @@
               </a:schemeClr>
             </a:gs>
           </a:gsLst>
-          <a:lin ang="5400000" scaled="0"/>
+          <a:lin ang="5400000" scaled="false"/>
         </a:gradFill>
-        <a:gradFill rotWithShape="1">
+        <a:gradFill rotWithShape="true">
           <a:gsLst>
             <a:gs pos="0">
               <a:schemeClr val="phClr">
@@ -6928,7 +8022,7 @@
               </a:schemeClr>
             </a:gs>
           </a:gsLst>
-          <a:lin ang="5400000" scaled="0"/>
+          <a:lin ang="5400000" scaled="false"/>
         </a:gradFill>
       </a:fillStyleLst>
       <a:lnStyleLst>
@@ -6981,7 +8075,7 @@
             <a:satMod val="170000"/>
           </a:schemeClr>
         </a:solidFill>
-        <a:gradFill rotWithShape="1">
+        <a:gradFill rotWithShape="true">
           <a:gsLst>
             <a:gs pos="0">
               <a:schemeClr val="phClr">
@@ -7006,7 +8100,7 @@
               </a:schemeClr>
             </a:gs>
           </a:gsLst>
-          <a:lin ang="5400000" scaled="0"/>
+          <a:lin ang="5400000" scaled="false"/>
         </a:gradFill>
       </a:bgFillStyleLst>
     </a:fmtScheme>
